--- a/TADAM4.pptx
+++ b/TADAM4.pptx
@@ -286,7 +286,7 @@
           <a:p>
             <a:fld id="{6D760287-A9C0-8446-819D-90415B7B286C}" type="datetimeFigureOut">
               <a:rPr lang="en-US" smtClean="0"/>
-              <a:t>4/23/20</a:t>
+              <a:t>8/11/20</a:t>
             </a:fld>
             <a:endParaRPr lang="en-US"/>
           </a:p>
@@ -484,7 +484,7 @@
           <a:p>
             <a:fld id="{6D760287-A9C0-8446-819D-90415B7B286C}" type="datetimeFigureOut">
               <a:rPr lang="en-US" smtClean="0"/>
-              <a:t>4/23/20</a:t>
+              <a:t>8/11/20</a:t>
             </a:fld>
             <a:endParaRPr lang="en-US"/>
           </a:p>
@@ -692,7 +692,7 @@
           <a:p>
             <a:fld id="{6D760287-A9C0-8446-819D-90415B7B286C}" type="datetimeFigureOut">
               <a:rPr lang="en-US" smtClean="0"/>
-              <a:t>4/23/20</a:t>
+              <a:t>8/11/20</a:t>
             </a:fld>
             <a:endParaRPr lang="en-US"/>
           </a:p>
@@ -890,7 +890,7 @@
           <a:p>
             <a:fld id="{6D760287-A9C0-8446-819D-90415B7B286C}" type="datetimeFigureOut">
               <a:rPr lang="en-US" smtClean="0"/>
-              <a:t>4/23/20</a:t>
+              <a:t>8/11/20</a:t>
             </a:fld>
             <a:endParaRPr lang="en-US"/>
           </a:p>
@@ -1165,7 +1165,7 @@
           <a:p>
             <a:fld id="{6D760287-A9C0-8446-819D-90415B7B286C}" type="datetimeFigureOut">
               <a:rPr lang="en-US" smtClean="0"/>
-              <a:t>4/23/20</a:t>
+              <a:t>8/11/20</a:t>
             </a:fld>
             <a:endParaRPr lang="en-US"/>
           </a:p>
@@ -1430,7 +1430,7 @@
           <a:p>
             <a:fld id="{6D760287-A9C0-8446-819D-90415B7B286C}" type="datetimeFigureOut">
               <a:rPr lang="en-US" smtClean="0"/>
-              <a:t>4/23/20</a:t>
+              <a:t>8/11/20</a:t>
             </a:fld>
             <a:endParaRPr lang="en-US"/>
           </a:p>
@@ -1842,7 +1842,7 @@
           <a:p>
             <a:fld id="{6D760287-A9C0-8446-819D-90415B7B286C}" type="datetimeFigureOut">
               <a:rPr lang="en-US" smtClean="0"/>
-              <a:t>4/23/20</a:t>
+              <a:t>8/11/20</a:t>
             </a:fld>
             <a:endParaRPr lang="en-US"/>
           </a:p>
@@ -1983,7 +1983,7 @@
           <a:p>
             <a:fld id="{6D760287-A9C0-8446-819D-90415B7B286C}" type="datetimeFigureOut">
               <a:rPr lang="en-US" smtClean="0"/>
-              <a:t>4/23/20</a:t>
+              <a:t>8/11/20</a:t>
             </a:fld>
             <a:endParaRPr lang="en-US"/>
           </a:p>
@@ -2096,7 +2096,7 @@
           <a:p>
             <a:fld id="{6D760287-A9C0-8446-819D-90415B7B286C}" type="datetimeFigureOut">
               <a:rPr lang="en-US" smtClean="0"/>
-              <a:t>4/23/20</a:t>
+              <a:t>8/11/20</a:t>
             </a:fld>
             <a:endParaRPr lang="en-US"/>
           </a:p>
@@ -2407,7 +2407,7 @@
           <a:p>
             <a:fld id="{6D760287-A9C0-8446-819D-90415B7B286C}" type="datetimeFigureOut">
               <a:rPr lang="en-US" smtClean="0"/>
-              <a:t>4/23/20</a:t>
+              <a:t>8/11/20</a:t>
             </a:fld>
             <a:endParaRPr lang="en-US"/>
           </a:p>
@@ -2695,7 +2695,7 @@
           <a:p>
             <a:fld id="{6D760287-A9C0-8446-819D-90415B7B286C}" type="datetimeFigureOut">
               <a:rPr lang="en-US" smtClean="0"/>
-              <a:t>4/23/20</a:t>
+              <a:t>8/11/20</a:t>
             </a:fld>
             <a:endParaRPr lang="en-US"/>
           </a:p>
@@ -2936,7 +2936,7 @@
           <a:p>
             <a:fld id="{6D760287-A9C0-8446-819D-90415B7B286C}" type="datetimeFigureOut">
               <a:rPr lang="en-US" smtClean="0"/>
-              <a:t>4/23/20</a:t>
+              <a:t>8/11/20</a:t>
             </a:fld>
             <a:endParaRPr lang="en-US"/>
           </a:p>
@@ -3472,8 +3472,8 @@
           </a:p>
         </p:txBody>
       </p:sp>
-      <mc:AlternateContent xmlns:mc="http://schemas.openxmlformats.org/markup-compatibility/2006" xmlns:a14="http://schemas.microsoft.com/office/drawing/2010/main">
-        <mc:Choice Requires="a14">
+      <mc:AlternateContent xmlns:mc="http://schemas.openxmlformats.org/markup-compatibility/2006">
+        <mc:Choice xmlns:a14="http://schemas.microsoft.com/office/drawing/2010/main" Requires="a14">
           <p:sp>
             <p:nvSpPr>
               <p:cNvPr id="3" name="Content Placeholder 2">
@@ -3827,6 +3827,35 @@
                               </m:r>
                             </m:sub>
                           </m:sSub>
+                        </m:e>
+                      </m:d>
+                      <m:r>
+                        <a:rPr lang="en-US" b="0" i="1" smtClean="0">
+                          <a:latin typeface="Cambria Math" panose="02040503050406030204" pitchFamily="18" charset="0"/>
+                        </a:rPr>
+                        <m:t>∗</m:t>
+                      </m:r>
+                      <m:r>
+                        <a:rPr lang="en-US" b="0" i="1" smtClean="0">
+                          <a:latin typeface="Cambria Math" panose="02040503050406030204" pitchFamily="18" charset="0"/>
+                        </a:rPr>
+                        <m:t>𝑃</m:t>
+                      </m:r>
+                      <m:d>
+                        <m:dPr>
+                          <m:ctrlPr>
+                            <a:rPr lang="en-US" b="0" i="1" smtClean="0">
+                              <a:latin typeface="Cambria Math" panose="02040503050406030204" pitchFamily="18" charset="0"/>
+                            </a:rPr>
+                          </m:ctrlPr>
+                        </m:dPr>
+                        <m:e>
+                          <m:r>
+                            <a:rPr lang="en-US" b="0" i="1" smtClean="0">
+                              <a:latin typeface="Cambria Math" panose="02040503050406030204" pitchFamily="18" charset="0"/>
+                            </a:rPr>
+                            <m:t>𝐷</m:t>
+                          </m:r>
                         </m:e>
                       </m:d>
                     </m:oMath>
@@ -4708,7 +4737,7 @@
             </p:txBody>
           </p:sp>
         </mc:Choice>
-        <mc:Fallback xmlns="">
+        <mc:Fallback>
           <p:sp>
             <p:nvSpPr>
               <p:cNvPr id="3" name="Content Placeholder 2">
@@ -6222,8 +6251,8 @@
           </a:p>
         </p:txBody>
       </p:sp>
-      <mc:AlternateContent xmlns:mc="http://schemas.openxmlformats.org/markup-compatibility/2006">
-        <mc:Choice xmlns:a14="http://schemas.microsoft.com/office/drawing/2010/main" Requires="a14">
+      <mc:AlternateContent xmlns:mc="http://schemas.openxmlformats.org/markup-compatibility/2006" xmlns:a14="http://schemas.microsoft.com/office/drawing/2010/main">
+        <mc:Choice Requires="a14">
           <p:sp>
             <p:nvSpPr>
               <p:cNvPr id="3" name="Content Placeholder 2">
@@ -6513,7 +6542,7 @@
             </p:txBody>
           </p:sp>
         </mc:Choice>
-        <mc:Fallback>
+        <mc:Fallback xmlns="">
           <p:sp>
             <p:nvSpPr>
               <p:cNvPr id="3" name="Content Placeholder 2">
@@ -6615,8 +6644,8 @@
           </a:p>
         </p:txBody>
       </p:sp>
-      <mc:AlternateContent xmlns:mc="http://schemas.openxmlformats.org/markup-compatibility/2006">
-        <mc:Choice xmlns:a14="http://schemas.microsoft.com/office/drawing/2010/main" Requires="a14">
+      <mc:AlternateContent xmlns:mc="http://schemas.openxmlformats.org/markup-compatibility/2006" xmlns:a14="http://schemas.microsoft.com/office/drawing/2010/main">
+        <mc:Choice Requires="a14">
           <p:sp>
             <p:nvSpPr>
               <p:cNvPr id="3" name="Content Placeholder 2">
@@ -6885,7 +6914,7 @@
             </p:txBody>
           </p:sp>
         </mc:Choice>
-        <mc:Fallback>
+        <mc:Fallback xmlns="">
           <p:sp>
             <p:nvSpPr>
               <p:cNvPr id="3" name="Content Placeholder 2">
@@ -8850,8 +8879,8 @@
           </a:p>
         </p:txBody>
       </p:sp>
-      <mc:AlternateContent xmlns:mc="http://schemas.openxmlformats.org/markup-compatibility/2006">
-        <mc:Choice xmlns:a14="http://schemas.microsoft.com/office/drawing/2010/main" Requires="a14">
+      <mc:AlternateContent xmlns:mc="http://schemas.openxmlformats.org/markup-compatibility/2006" xmlns:a14="http://schemas.microsoft.com/office/drawing/2010/main">
+        <mc:Choice Requires="a14">
           <p:sp>
             <p:nvSpPr>
               <p:cNvPr id="3" name="Content Placeholder 2">
@@ -9330,7 +9359,7 @@
             </p:txBody>
           </p:sp>
         </mc:Choice>
-        <mc:Fallback>
+        <mc:Fallback xmlns="">
           <p:sp>
             <p:nvSpPr>
               <p:cNvPr id="3" name="Content Placeholder 2">
@@ -9788,8 +9817,8 @@
           </a:p>
         </p:txBody>
       </p:sp>
-      <mc:AlternateContent xmlns:mc="http://schemas.openxmlformats.org/markup-compatibility/2006">
-        <mc:Choice xmlns:a14="http://schemas.microsoft.com/office/drawing/2010/main" Requires="a14">
+      <mc:AlternateContent xmlns:mc="http://schemas.openxmlformats.org/markup-compatibility/2006" xmlns:a14="http://schemas.microsoft.com/office/drawing/2010/main">
+        <mc:Choice Requires="a14">
           <p:sp>
             <p:nvSpPr>
               <p:cNvPr id="5" name="Content Placeholder 4">
@@ -10337,7 +10366,7 @@
             </p:txBody>
           </p:sp>
         </mc:Choice>
-        <mc:Fallback>
+        <mc:Fallback xmlns="">
           <p:sp>
             <p:nvSpPr>
               <p:cNvPr id="5" name="Content Placeholder 4">
@@ -11708,8 +11737,8 @@
           </a:p>
         </p:txBody>
       </p:sp>
-      <mc:AlternateContent xmlns:mc="http://schemas.openxmlformats.org/markup-compatibility/2006">
-        <mc:Choice xmlns:a14="http://schemas.microsoft.com/office/drawing/2010/main" Requires="a14">
+      <mc:AlternateContent xmlns:mc="http://schemas.openxmlformats.org/markup-compatibility/2006" xmlns:a14="http://schemas.microsoft.com/office/drawing/2010/main">
+        <mc:Choice Requires="a14">
           <p:sp>
             <p:nvSpPr>
               <p:cNvPr id="3" name="Content Placeholder 2">
@@ -11991,7 +12020,7 @@
             </p:txBody>
           </p:sp>
         </mc:Choice>
-        <mc:Fallback>
+        <mc:Fallback xmlns="">
           <p:sp>
             <p:nvSpPr>
               <p:cNvPr id="3" name="Content Placeholder 2">
@@ -12101,8 +12130,8 @@
           </a:p>
         </p:txBody>
       </p:sp>
-      <mc:AlternateContent xmlns:mc="http://schemas.openxmlformats.org/markup-compatibility/2006" xmlns:a14="http://schemas.microsoft.com/office/drawing/2010/main">
-        <mc:Choice Requires="a14">
+      <mc:AlternateContent xmlns:mc="http://schemas.openxmlformats.org/markup-compatibility/2006">
+        <mc:Choice xmlns:a14="http://schemas.microsoft.com/office/drawing/2010/main" Requires="a14">
           <p:sp>
             <p:nvSpPr>
               <p:cNvPr id="3" name="Content Placeholder 2">
@@ -12202,17 +12231,16 @@
                                 <a:rPr lang="en-US" b="0" i="1" smtClean="0">
                                   <a:latin typeface="Cambria Math" panose="02040503050406030204" pitchFamily="18" charset="0"/>
                                 </a:rPr>
+                                <m:t>!</m:t>
+                              </m:r>
+                              <m:r>
+                                <a:rPr lang="en-US" b="0" i="1" smtClean="0">
+                                  <a:latin typeface="Cambria Math" panose="02040503050406030204" pitchFamily="18" charset="0"/>
+                                </a:rPr>
                                 <m:t>𝐷</m:t>
                               </m:r>
                             </m:e>
-                            <m:sub>
-                              <m:r>
-                                <a:rPr lang="en-US" b="0" i="1" smtClean="0">
-                                  <a:latin typeface="Cambria Math" panose="02040503050406030204" pitchFamily="18" charset="0"/>
-                                </a:rPr>
-                                <m:t>𝑐𝑡𝑟𝑙</m:t>
-                              </m:r>
-                            </m:sub>
+                            <m:sub/>
                           </m:sSub>
                         </m:e>
                       </m:d>
@@ -13099,7 +13127,7 @@
             </p:txBody>
           </p:sp>
         </mc:Choice>
-        <mc:Fallback xmlns="">
+        <mc:Fallback>
           <p:sp>
             <p:nvSpPr>
               <p:cNvPr id="3" name="Content Placeholder 2">
@@ -13239,556 +13267,6 @@
                   <a:buNone/>
                 </a:pPr>
                 <a14:m>
-                  <m:oMath xmlns:m="http://schemas.openxmlformats.org/officeDocument/2006/math">
-                    <m:sSub>
-                      <m:sSubPr>
-                        <m:ctrlPr>
-                          <a:rPr lang="en-US" sz="2400" i="1" smtClean="0">
-                            <a:latin typeface="Cambria Math" panose="02040503050406030204" pitchFamily="18" charset="0"/>
-                            <a:ea typeface="Cambria Math" panose="02040503050406030204" pitchFamily="18" charset="0"/>
-                          </a:rPr>
-                        </m:ctrlPr>
-                      </m:sSubPr>
-                      <m:e>
-                        <m:r>
-                          <a:rPr lang="en-US" sz="2400" i="1">
-                            <a:latin typeface="Cambria Math" panose="02040503050406030204" pitchFamily="18" charset="0"/>
-                            <a:ea typeface="Cambria Math" panose="02040503050406030204" pitchFamily="18" charset="0"/>
-                          </a:rPr>
-                          <m:t>𝛼</m:t>
-                        </m:r>
-                      </m:e>
-                      <m:sub>
-                        <m:r>
-                          <a:rPr lang="en-US" sz="2400" i="1">
-                            <a:latin typeface="Cambria Math" panose="02040503050406030204" pitchFamily="18" charset="0"/>
-                            <a:ea typeface="Cambria Math" panose="02040503050406030204" pitchFamily="18" charset="0"/>
-                          </a:rPr>
-                          <m:t>1</m:t>
-                        </m:r>
-                        <m:r>
-                          <a:rPr lang="en-US" sz="2400" b="0" i="1" smtClean="0">
-                            <a:latin typeface="Cambria Math" panose="02040503050406030204" pitchFamily="18" charset="0"/>
-                            <a:ea typeface="Cambria Math" panose="02040503050406030204" pitchFamily="18" charset="0"/>
-                          </a:rPr>
-                          <m:t>2 </m:t>
-                        </m:r>
-                      </m:sub>
-                    </m:sSub>
-                    <m:r>
-                      <a:rPr lang="en-US" sz="2400" b="0" i="1" smtClean="0">
-                        <a:latin typeface="Cambria Math" panose="02040503050406030204" pitchFamily="18" charset="0"/>
-                        <a:ea typeface="Cambria Math" panose="02040503050406030204" pitchFamily="18" charset="0"/>
-                      </a:rPr>
-                      <m:t>=</m:t>
-                    </m:r>
-                    <m:f>
-                      <m:fPr>
-                        <m:ctrlPr>
-                          <a:rPr lang="en-US" sz="2400" i="1">
-                            <a:latin typeface="Cambria Math" panose="02040503050406030204" pitchFamily="18" charset="0"/>
-                            <a:ea typeface="Cambria Math" panose="02040503050406030204" pitchFamily="18" charset="0"/>
-                          </a:rPr>
-                        </m:ctrlPr>
-                      </m:fPr>
-                      <m:num>
-                        <m:r>
-                          <a:rPr lang="en-US" sz="2400" i="1">
-                            <a:latin typeface="Cambria Math" panose="02040503050406030204" pitchFamily="18" charset="0"/>
-                            <a:ea typeface="Cambria Math" panose="02040503050406030204" pitchFamily="18" charset="0"/>
-                          </a:rPr>
-                          <m:t>𝑃</m:t>
-                        </m:r>
-                        <m:d>
-                          <m:dPr>
-                            <m:ctrlPr>
-                              <a:rPr lang="en-US" sz="2400" i="1">
-                                <a:latin typeface="Cambria Math" panose="02040503050406030204" pitchFamily="18" charset="0"/>
-                                <a:ea typeface="Cambria Math" panose="02040503050406030204" pitchFamily="18" charset="0"/>
-                              </a:rPr>
-                            </m:ctrlPr>
-                          </m:dPr>
-                          <m:e>
-                            <m:sSub>
-                              <m:sSubPr>
-                                <m:ctrlPr>
-                                  <a:rPr lang="en-US" sz="2400" i="1">
-                                    <a:latin typeface="Cambria Math" panose="02040503050406030204" pitchFamily="18" charset="0"/>
-                                    <a:ea typeface="Cambria Math" panose="02040503050406030204" pitchFamily="18" charset="0"/>
-                                  </a:rPr>
-                                </m:ctrlPr>
-                              </m:sSubPr>
-                              <m:e>
-                                <m:r>
-                                  <a:rPr lang="en-US" sz="2400" i="1">
-                                    <a:latin typeface="Cambria Math" panose="02040503050406030204" pitchFamily="18" charset="0"/>
-                                    <a:ea typeface="Cambria Math" panose="02040503050406030204" pitchFamily="18" charset="0"/>
-                                  </a:rPr>
-                                  <m:t>𝐷</m:t>
-                                </m:r>
-                              </m:e>
-                              <m:sub>
-                                <m:r>
-                                  <a:rPr lang="en-US" sz="2400" i="1">
-                                    <a:latin typeface="Cambria Math" panose="02040503050406030204" pitchFamily="18" charset="0"/>
-                                    <a:ea typeface="Cambria Math" panose="02040503050406030204" pitchFamily="18" charset="0"/>
-                                  </a:rPr>
-                                  <m:t>12</m:t>
-                                </m:r>
-                              </m:sub>
-                            </m:sSub>
-                          </m:e>
-                        </m:d>
-                        <m:r>
-                          <a:rPr lang="en-US" sz="2400" i="1">
-                            <a:latin typeface="Cambria Math" panose="02040503050406030204" pitchFamily="18" charset="0"/>
-                            <a:ea typeface="Cambria Math" panose="02040503050406030204" pitchFamily="18" charset="0"/>
-                          </a:rPr>
-                          <m:t> ∗</m:t>
-                        </m:r>
-                        <m:sSub>
-                          <m:sSubPr>
-                            <m:ctrlPr>
-                              <a:rPr lang="en-US" sz="2400" i="1">
-                                <a:latin typeface="Cambria Math" panose="02040503050406030204" pitchFamily="18" charset="0"/>
-                                <a:ea typeface="Cambria Math" panose="02040503050406030204" pitchFamily="18" charset="0"/>
-                              </a:rPr>
-                            </m:ctrlPr>
-                          </m:sSubPr>
-                          <m:e>
-                            <m:r>
-                              <a:rPr lang="en-US" sz="2400" b="0" i="1" smtClean="0">
-                                <a:latin typeface="Cambria Math" panose="02040503050406030204" pitchFamily="18" charset="0"/>
-                                <a:ea typeface="Cambria Math" panose="02040503050406030204" pitchFamily="18" charset="0"/>
-                              </a:rPr>
-                              <m:t> </m:t>
-                            </m:r>
-                            <m:r>
-                              <a:rPr lang="en-US" sz="2400" i="1">
-                                <a:latin typeface="Cambria Math" panose="02040503050406030204" pitchFamily="18" charset="0"/>
-                                <a:ea typeface="Cambria Math" panose="02040503050406030204" pitchFamily="18" charset="0"/>
-                              </a:rPr>
-                              <m:t>𝛼</m:t>
-                            </m:r>
-                          </m:e>
-                          <m:sub>
-                            <m:r>
-                              <a:rPr lang="en-US" sz="2400" i="1">
-                                <a:latin typeface="Cambria Math" panose="02040503050406030204" pitchFamily="18" charset="0"/>
-                                <a:ea typeface="Cambria Math" panose="02040503050406030204" pitchFamily="18" charset="0"/>
-                              </a:rPr>
-                              <m:t>1</m:t>
-                            </m:r>
-                          </m:sub>
-                        </m:sSub>
-                      </m:num>
-                      <m:den>
-                        <m:r>
-                          <a:rPr lang="en-US" sz="2400" i="1">
-                            <a:latin typeface="Cambria Math" panose="02040503050406030204" pitchFamily="18" charset="0"/>
-                            <a:ea typeface="Cambria Math" panose="02040503050406030204" pitchFamily="18" charset="0"/>
-                          </a:rPr>
-                          <m:t>𝑃</m:t>
-                        </m:r>
-                        <m:d>
-                          <m:dPr>
-                            <m:ctrlPr>
-                              <a:rPr lang="en-US" sz="2400" i="1">
-                                <a:latin typeface="Cambria Math" panose="02040503050406030204" pitchFamily="18" charset="0"/>
-                                <a:ea typeface="Cambria Math" panose="02040503050406030204" pitchFamily="18" charset="0"/>
-                              </a:rPr>
-                            </m:ctrlPr>
-                          </m:dPr>
-                          <m:e>
-                            <m:sSub>
-                              <m:sSubPr>
-                                <m:ctrlPr>
-                                  <a:rPr lang="en-US" sz="2400" i="1">
-                                    <a:latin typeface="Cambria Math" panose="02040503050406030204" pitchFamily="18" charset="0"/>
-                                    <a:ea typeface="Cambria Math" panose="02040503050406030204" pitchFamily="18" charset="0"/>
-                                  </a:rPr>
-                                </m:ctrlPr>
-                              </m:sSubPr>
-                              <m:e>
-                                <m:r>
-                                  <a:rPr lang="en-US" sz="2400" i="1">
-                                    <a:latin typeface="Cambria Math" panose="02040503050406030204" pitchFamily="18" charset="0"/>
-                                    <a:ea typeface="Cambria Math" panose="02040503050406030204" pitchFamily="18" charset="0"/>
-                                  </a:rPr>
-                                  <m:t>𝐷</m:t>
-                                </m:r>
-                              </m:e>
-                              <m:sub>
-                                <m:r>
-                                  <a:rPr lang="en-US" sz="2400" i="1">
-                                    <a:latin typeface="Cambria Math" panose="02040503050406030204" pitchFamily="18" charset="0"/>
-                                    <a:ea typeface="Cambria Math" panose="02040503050406030204" pitchFamily="18" charset="0"/>
-                                  </a:rPr>
-                                  <m:t>1</m:t>
-                                </m:r>
-                              </m:sub>
-                            </m:sSub>
-                          </m:e>
-                        </m:d>
-                      </m:den>
-                    </m:f>
-                  </m:oMath>
-                </a14:m>
-                <a:r>
-                  <a:rPr lang="en-US" sz="2400" b="0" i="1" dirty="0">
-                    <a:latin typeface="Cambria Math" panose="02040503050406030204" pitchFamily="18" charset="0"/>
-                    <a:ea typeface="Cambria Math" panose="02040503050406030204" pitchFamily="18" charset="0"/>
-                  </a:rPr>
-                  <a:t>  (this is equivalent to scaling by ratio of sample sizes)</a:t>
-                </a:r>
-              </a:p>
-              <a:p>
-                <a:pPr marL="0" indent="0">
-                  <a:buNone/>
-                </a:pPr>
-                <a14:m>
-                  <m:oMath xmlns:m="http://schemas.openxmlformats.org/officeDocument/2006/math">
-                    <m:sSub>
-                      <m:sSubPr>
-                        <m:ctrlPr>
-                          <a:rPr lang="en-US" sz="2400" b="0" i="1" smtClean="0">
-                            <a:latin typeface="Cambria Math" panose="02040503050406030204" pitchFamily="18" charset="0"/>
-                            <a:ea typeface="Cambria Math" panose="02040503050406030204" pitchFamily="18" charset="0"/>
-                          </a:rPr>
-                        </m:ctrlPr>
-                      </m:sSubPr>
-                      <m:e>
-                        <m:sSub>
-                          <m:sSubPr>
-                            <m:ctrlPr>
-                              <a:rPr lang="en-US" sz="2400" b="0" i="1" smtClean="0">
-                                <a:latin typeface="Cambria Math" panose="02040503050406030204" pitchFamily="18" charset="0"/>
-                                <a:ea typeface="Cambria Math" panose="02040503050406030204" pitchFamily="18" charset="0"/>
-                              </a:rPr>
-                            </m:ctrlPr>
-                          </m:sSubPr>
-                          <m:e>
-                            <m:r>
-                              <a:rPr lang="en-US" sz="2400" i="1" smtClean="0">
-                                <a:latin typeface="Cambria Math" panose="02040503050406030204" pitchFamily="18" charset="0"/>
-                                <a:ea typeface="Cambria Math" panose="02040503050406030204" pitchFamily="18" charset="0"/>
-                              </a:rPr>
-                              <m:t>𝛼</m:t>
-                            </m:r>
-                          </m:e>
-                          <m:sub>
-                            <m:r>
-                              <a:rPr lang="en-US" sz="2400" b="0" i="1" smtClean="0">
-                                <a:latin typeface="Cambria Math" panose="02040503050406030204" pitchFamily="18" charset="0"/>
-                                <a:ea typeface="Cambria Math" panose="02040503050406030204" pitchFamily="18" charset="0"/>
-                              </a:rPr>
-                              <m:t> </m:t>
-                            </m:r>
-                          </m:sub>
-                        </m:sSub>
-                      </m:e>
-                      <m:sub>
-                        <m:r>
-                          <a:rPr lang="en-US" sz="2400" b="0" i="1" smtClean="0">
-                            <a:latin typeface="Cambria Math" panose="02040503050406030204" pitchFamily="18" charset="0"/>
-                            <a:ea typeface="Cambria Math" panose="02040503050406030204" pitchFamily="18" charset="0"/>
-                          </a:rPr>
-                          <m:t>2</m:t>
-                        </m:r>
-                        <m:r>
-                          <a:rPr lang="en-US" sz="2400" b="0" i="1" smtClean="0">
-                            <a:latin typeface="Cambria Math" panose="02040503050406030204" pitchFamily="18" charset="0"/>
-                            <a:ea typeface="Cambria Math" panose="02040503050406030204" pitchFamily="18" charset="0"/>
-                          </a:rPr>
-                          <m:t>𝑛𝑢𝑙𝑙</m:t>
-                        </m:r>
-                      </m:sub>
-                    </m:sSub>
-                    <m:r>
-                      <a:rPr lang="en-US" sz="2400" b="0" i="1" smtClean="0">
-                        <a:latin typeface="Cambria Math" panose="02040503050406030204" pitchFamily="18" charset="0"/>
-                        <a:ea typeface="Cambria Math" panose="02040503050406030204" pitchFamily="18" charset="0"/>
-                      </a:rPr>
-                      <m:t>=</m:t>
-                    </m:r>
-                  </m:oMath>
-                </a14:m>
-                <a:r>
-                  <a:rPr lang="en-US" sz="2400" b="0" i="1" dirty="0">
-                    <a:latin typeface="Cambria Math" panose="02040503050406030204" pitchFamily="18" charset="0"/>
-                    <a:ea typeface="Cambria Math" panose="02040503050406030204" pitchFamily="18" charset="0"/>
-                  </a:rPr>
-                  <a:t> </a:t>
-                </a:r>
-                <a14:m>
-                  <m:oMath xmlns:m="http://schemas.openxmlformats.org/officeDocument/2006/math">
-                    <m:f>
-                      <m:fPr>
-                        <m:ctrlPr>
-                          <a:rPr lang="en-US" sz="2400" b="0" i="1" smtClean="0">
-                            <a:latin typeface="Cambria Math" panose="02040503050406030204" pitchFamily="18" charset="0"/>
-                            <a:ea typeface="Cambria Math" panose="02040503050406030204" pitchFamily="18" charset="0"/>
-                          </a:rPr>
-                        </m:ctrlPr>
-                      </m:fPr>
-                      <m:num>
-                        <m:r>
-                          <a:rPr lang="en-US" sz="2400" b="0" i="1" smtClean="0">
-                            <a:latin typeface="Cambria Math" panose="02040503050406030204" pitchFamily="18" charset="0"/>
-                            <a:ea typeface="Cambria Math" panose="02040503050406030204" pitchFamily="18" charset="0"/>
-                          </a:rPr>
-                          <m:t>𝑃</m:t>
-                        </m:r>
-                        <m:d>
-                          <m:dPr>
-                            <m:ctrlPr>
-                              <a:rPr lang="en-US" sz="2400" b="0" i="1" smtClean="0">
-                                <a:latin typeface="Cambria Math" panose="02040503050406030204" pitchFamily="18" charset="0"/>
-                                <a:ea typeface="Cambria Math" panose="02040503050406030204" pitchFamily="18" charset="0"/>
-                              </a:rPr>
-                            </m:ctrlPr>
-                          </m:dPr>
-                          <m:e>
-                            <m:sSub>
-                              <m:sSubPr>
-                                <m:ctrlPr>
-                                  <a:rPr lang="en-US" sz="2400" b="0" i="1" smtClean="0">
-                                    <a:latin typeface="Cambria Math" panose="02040503050406030204" pitchFamily="18" charset="0"/>
-                                    <a:ea typeface="Cambria Math" panose="02040503050406030204" pitchFamily="18" charset="0"/>
-                                  </a:rPr>
-                                </m:ctrlPr>
-                              </m:sSubPr>
-                              <m:e>
-                                <m:r>
-                                  <a:rPr lang="en-US" sz="2400" b="0" i="1" smtClean="0">
-                                    <a:latin typeface="Cambria Math" panose="02040503050406030204" pitchFamily="18" charset="0"/>
-                                    <a:ea typeface="Cambria Math" panose="02040503050406030204" pitchFamily="18" charset="0"/>
-                                  </a:rPr>
-                                  <m:t>𝐷</m:t>
-                                </m:r>
-                              </m:e>
-                              <m:sub>
-                                <m:r>
-                                  <a:rPr lang="en-US" sz="2400" b="0" i="1" smtClean="0">
-                                    <a:latin typeface="Cambria Math" panose="02040503050406030204" pitchFamily="18" charset="0"/>
-                                    <a:ea typeface="Cambria Math" panose="02040503050406030204" pitchFamily="18" charset="0"/>
-                                  </a:rPr>
-                                  <m:t>2</m:t>
-                                </m:r>
-                              </m:sub>
-                            </m:sSub>
-                          </m:e>
-                        </m:d>
-                        <m:r>
-                          <a:rPr lang="en-US" sz="2400" b="0" i="1" smtClean="0">
-                            <a:latin typeface="Cambria Math" panose="02040503050406030204" pitchFamily="18" charset="0"/>
-                            <a:ea typeface="Cambria Math" panose="02040503050406030204" pitchFamily="18" charset="0"/>
-                          </a:rPr>
-                          <m:t> ∗ </m:t>
-                        </m:r>
-                        <m:d>
-                          <m:dPr>
-                            <m:ctrlPr>
-                              <a:rPr lang="en-US" sz="2400" b="0" i="1" smtClean="0">
-                                <a:latin typeface="Cambria Math" panose="02040503050406030204" pitchFamily="18" charset="0"/>
-                                <a:ea typeface="Cambria Math" panose="02040503050406030204" pitchFamily="18" charset="0"/>
-                              </a:rPr>
-                            </m:ctrlPr>
-                          </m:dPr>
-                          <m:e>
-                            <m:r>
-                              <a:rPr lang="en-US" sz="2400" b="0" i="1" smtClean="0">
-                                <a:latin typeface="Cambria Math" panose="02040503050406030204" pitchFamily="18" charset="0"/>
-                                <a:ea typeface="Cambria Math" panose="02040503050406030204" pitchFamily="18" charset="0"/>
-                              </a:rPr>
-                              <m:t> </m:t>
-                            </m:r>
-                            <m:sSub>
-                              <m:sSubPr>
-                                <m:ctrlPr>
-                                  <a:rPr lang="en-US" sz="2400" i="1" smtClean="0">
-                                    <a:latin typeface="Cambria Math" panose="02040503050406030204" pitchFamily="18" charset="0"/>
-                                    <a:ea typeface="Cambria Math" panose="02040503050406030204" pitchFamily="18" charset="0"/>
-                                  </a:rPr>
-                                </m:ctrlPr>
-                              </m:sSubPr>
-                              <m:e>
-                                <m:r>
-                                  <a:rPr lang="en-US" sz="2400" i="1">
-                                    <a:latin typeface="Cambria Math" panose="02040503050406030204" pitchFamily="18" charset="0"/>
-                                    <a:ea typeface="Cambria Math" panose="02040503050406030204" pitchFamily="18" charset="0"/>
-                                  </a:rPr>
-                                  <m:t>𝛼</m:t>
-                                </m:r>
-                              </m:e>
-                              <m:sub>
-                                <m:r>
-                                  <a:rPr lang="en-US" sz="2400" b="0" i="1" smtClean="0">
-                                    <a:latin typeface="Cambria Math" panose="02040503050406030204" pitchFamily="18" charset="0"/>
-                                    <a:ea typeface="Cambria Math" panose="02040503050406030204" pitchFamily="18" charset="0"/>
-                                  </a:rPr>
-                                  <m:t>𝑐𝑡𝑟𝑙</m:t>
-                                </m:r>
-                              </m:sub>
-                            </m:sSub>
-                            <m:r>
-                              <a:rPr lang="en-US" sz="2400" b="0" i="1" smtClean="0">
-                                <a:latin typeface="Cambria Math" panose="02040503050406030204" pitchFamily="18" charset="0"/>
-                                <a:ea typeface="Cambria Math" panose="02040503050406030204" pitchFamily="18" charset="0"/>
-                              </a:rPr>
-                              <m:t>+</m:t>
-                            </m:r>
-                            <m:sSub>
-                              <m:sSubPr>
-                                <m:ctrlPr>
-                                  <a:rPr lang="en-US" sz="2400" i="1" smtClean="0">
-                                    <a:latin typeface="Cambria Math" panose="02040503050406030204" pitchFamily="18" charset="0"/>
-                                    <a:ea typeface="Cambria Math" panose="02040503050406030204" pitchFamily="18" charset="0"/>
-                                  </a:rPr>
-                                </m:ctrlPr>
-                              </m:sSubPr>
-                              <m:e>
-                                <m:r>
-                                  <a:rPr lang="en-US" sz="2400" i="1">
-                                    <a:latin typeface="Cambria Math" panose="02040503050406030204" pitchFamily="18" charset="0"/>
-                                    <a:ea typeface="Cambria Math" panose="02040503050406030204" pitchFamily="18" charset="0"/>
-                                  </a:rPr>
-                                  <m:t>𝛼</m:t>
-                                </m:r>
-                              </m:e>
-                              <m:sub>
-                                <m:r>
-                                  <a:rPr lang="en-US" sz="2400" b="0" i="1" smtClean="0">
-                                    <a:latin typeface="Cambria Math" panose="02040503050406030204" pitchFamily="18" charset="0"/>
-                                    <a:ea typeface="Cambria Math" panose="02040503050406030204" pitchFamily="18" charset="0"/>
-                                  </a:rPr>
-                                  <m:t>1</m:t>
-                                </m:r>
-                              </m:sub>
-                            </m:sSub>
-                            <m:r>
-                              <a:rPr lang="en-US" sz="2400" b="0" i="1" smtClean="0">
-                                <a:latin typeface="Cambria Math" panose="02040503050406030204" pitchFamily="18" charset="0"/>
-                                <a:ea typeface="Cambria Math" panose="02040503050406030204" pitchFamily="18" charset="0"/>
-                              </a:rPr>
-                              <m:t>+</m:t>
-                            </m:r>
-                            <m:sSub>
-                              <m:sSubPr>
-                                <m:ctrlPr>
-                                  <a:rPr lang="en-US" sz="2400" i="1">
-                                    <a:latin typeface="Cambria Math" panose="02040503050406030204" pitchFamily="18" charset="0"/>
-                                    <a:ea typeface="Cambria Math" panose="02040503050406030204" pitchFamily="18" charset="0"/>
-                                  </a:rPr>
-                                </m:ctrlPr>
-                              </m:sSubPr>
-                              <m:e>
-                                <m:r>
-                                  <a:rPr lang="en-US" sz="2400" i="1">
-                                    <a:latin typeface="Cambria Math" panose="02040503050406030204" pitchFamily="18" charset="0"/>
-                                    <a:ea typeface="Cambria Math" panose="02040503050406030204" pitchFamily="18" charset="0"/>
-                                  </a:rPr>
-                                  <m:t>𝛼</m:t>
-                                </m:r>
-                              </m:e>
-                              <m:sub>
-                                <m:r>
-                                  <a:rPr lang="en-US" sz="2400" b="0" i="1" smtClean="0">
-                                    <a:latin typeface="Cambria Math" panose="02040503050406030204" pitchFamily="18" charset="0"/>
-                                    <a:ea typeface="Cambria Math" panose="02040503050406030204" pitchFamily="18" charset="0"/>
-                                  </a:rPr>
-                                  <m:t>12</m:t>
-                                </m:r>
-                              </m:sub>
-                            </m:sSub>
-                          </m:e>
-                        </m:d>
-                      </m:num>
-                      <m:den>
-                        <m:r>
-                          <a:rPr lang="en-US" sz="2400" b="0" i="1" smtClean="0">
-                            <a:latin typeface="Cambria Math" panose="02040503050406030204" pitchFamily="18" charset="0"/>
-                            <a:ea typeface="Cambria Math" panose="02040503050406030204" pitchFamily="18" charset="0"/>
-                          </a:rPr>
-                          <m:t>(1−</m:t>
-                        </m:r>
-                        <m:r>
-                          <a:rPr lang="en-US" sz="2400" b="0" i="1" smtClean="0">
-                            <a:latin typeface="Cambria Math" panose="02040503050406030204" pitchFamily="18" charset="0"/>
-                            <a:ea typeface="Cambria Math" panose="02040503050406030204" pitchFamily="18" charset="0"/>
-                          </a:rPr>
-                          <m:t>𝑃</m:t>
-                        </m:r>
-                        <m:d>
-                          <m:dPr>
-                            <m:ctrlPr>
-                              <a:rPr lang="en-US" sz="2400" b="0" i="1" smtClean="0">
-                                <a:latin typeface="Cambria Math" panose="02040503050406030204" pitchFamily="18" charset="0"/>
-                                <a:ea typeface="Cambria Math" panose="02040503050406030204" pitchFamily="18" charset="0"/>
-                              </a:rPr>
-                            </m:ctrlPr>
-                          </m:dPr>
-                          <m:e>
-                            <m:sSub>
-                              <m:sSubPr>
-                                <m:ctrlPr>
-                                  <a:rPr lang="en-US" sz="2400" b="0" i="1" smtClean="0">
-                                    <a:latin typeface="Cambria Math" panose="02040503050406030204" pitchFamily="18" charset="0"/>
-                                    <a:ea typeface="Cambria Math" panose="02040503050406030204" pitchFamily="18" charset="0"/>
-                                  </a:rPr>
-                                </m:ctrlPr>
-                              </m:sSubPr>
-                              <m:e>
-                                <m:r>
-                                  <a:rPr lang="en-US" sz="2400" b="0" i="1" smtClean="0">
-                                    <a:latin typeface="Cambria Math" panose="02040503050406030204" pitchFamily="18" charset="0"/>
-                                    <a:ea typeface="Cambria Math" panose="02040503050406030204" pitchFamily="18" charset="0"/>
-                                  </a:rPr>
-                                  <m:t>𝐷</m:t>
-                                </m:r>
-                              </m:e>
-                              <m:sub>
-                                <m:r>
-                                  <a:rPr lang="en-US" sz="2400" b="0" i="1" smtClean="0">
-                                    <a:latin typeface="Cambria Math" panose="02040503050406030204" pitchFamily="18" charset="0"/>
-                                    <a:ea typeface="Cambria Math" panose="02040503050406030204" pitchFamily="18" charset="0"/>
-                                  </a:rPr>
-                                  <m:t>2</m:t>
-                                </m:r>
-                              </m:sub>
-                            </m:sSub>
-                          </m:e>
-                        </m:d>
-                        <m:r>
-                          <a:rPr lang="en-US" sz="2400" b="0" i="1" smtClean="0">
-                            <a:latin typeface="Cambria Math" panose="02040503050406030204" pitchFamily="18" charset="0"/>
-                            <a:ea typeface="Cambria Math" panose="02040503050406030204" pitchFamily="18" charset="0"/>
-                          </a:rPr>
-                          <m:t>)</m:t>
-                        </m:r>
-                      </m:den>
-                    </m:f>
-                  </m:oMath>
-                </a14:m>
-                <a:endParaRPr lang="en-US" sz="2400" i="1" dirty="0">
-                  <a:latin typeface="Cambria Math" panose="02040503050406030204" pitchFamily="18" charset="0"/>
-                  <a:ea typeface="Cambria Math" panose="02040503050406030204" pitchFamily="18" charset="0"/>
-                </a:endParaRPr>
-              </a:p>
-              <a:p>
-                <a:pPr marL="0" indent="0">
-                  <a:buNone/>
-                </a:pPr>
-                <a:endParaRPr lang="en-US" sz="2400" b="0" i="1" dirty="0">
-                  <a:latin typeface="Cambria Math" panose="02040503050406030204" pitchFamily="18" charset="0"/>
-                  <a:ea typeface="Cambria Math" panose="02040503050406030204" pitchFamily="18" charset="0"/>
-                </a:endParaRPr>
-              </a:p>
-              <a:p>
-                <a:pPr marL="0" indent="0">
-                  <a:buNone/>
-                </a:pPr>
-                <a14:m>
                   <m:oMathPara xmlns:m="http://schemas.openxmlformats.org/officeDocument/2006/math">
                     <m:oMathParaPr>
                       <m:jc m:val="left"/>
@@ -13797,7 +13275,7 @@
                       <m:sSub>
                         <m:sSubPr>
                           <m:ctrlPr>
-                            <a:rPr lang="en-US" sz="2400" b="0" i="1" smtClean="0">
+                            <a:rPr lang="en-US" sz="2400" i="1" smtClean="0">
                               <a:latin typeface="Cambria Math" panose="02040503050406030204" pitchFamily="18" charset="0"/>
                               <a:ea typeface="Cambria Math" panose="02040503050406030204" pitchFamily="18" charset="0"/>
                             </a:rPr>
@@ -13807,7 +13285,7 @@
                           <m:sSub>
                             <m:sSubPr>
                               <m:ctrlPr>
-                                <a:rPr lang="en-US" sz="2400" b="0" i="1" smtClean="0">
+                                <a:rPr lang="en-US" sz="2400" i="1">
                                   <a:latin typeface="Cambria Math" panose="02040503050406030204" pitchFamily="18" charset="0"/>
                                   <a:ea typeface="Cambria Math" panose="02040503050406030204" pitchFamily="18" charset="0"/>
                                 </a:rPr>
@@ -13815,7 +13293,7 @@
                             </m:sSubPr>
                             <m:e>
                               <m:r>
-                                <a:rPr lang="en-US" sz="2400" i="1" smtClean="0">
+                                <a:rPr lang="en-US" sz="2400" i="1">
                                   <a:latin typeface="Cambria Math" panose="02040503050406030204" pitchFamily="18" charset="0"/>
                                   <a:ea typeface="Cambria Math" panose="02040503050406030204" pitchFamily="18" charset="0"/>
                                 </a:rPr>
@@ -13824,7 +13302,7 @@
                             </m:e>
                             <m:sub>
                               <m:r>
-                                <a:rPr lang="en-US" sz="2400" b="0" i="1" smtClean="0">
+                                <a:rPr lang="en-US" sz="2400" i="1">
                                   <a:latin typeface="Cambria Math" panose="02040503050406030204" pitchFamily="18" charset="0"/>
                                   <a:ea typeface="Cambria Math" panose="02040503050406030204" pitchFamily="18" charset="0"/>
                                 </a:rPr>
@@ -13842,7 +13320,7 @@
                         </m:e>
                         <m:sub>
                           <m:r>
-                            <a:rPr lang="en-US" sz="2400" b="0" i="1" smtClean="0">
+                            <a:rPr lang="en-US" sz="2400" i="1">
                               <a:latin typeface="Cambria Math" panose="02040503050406030204" pitchFamily="18" charset="0"/>
                               <a:ea typeface="Cambria Math" panose="02040503050406030204" pitchFamily="18" charset="0"/>
                             </a:rPr>
@@ -13851,25 +13329,18 @@
                         </m:sub>
                       </m:sSub>
                       <m:r>
-                        <a:rPr lang="en-US" sz="2400" b="0" i="1" smtClean="0">
+                        <a:rPr lang="en-US" sz="2400" i="1">
                           <a:latin typeface="Cambria Math" panose="02040503050406030204" pitchFamily="18" charset="0"/>
                           <a:ea typeface="Cambria Math" panose="02040503050406030204" pitchFamily="18" charset="0"/>
                         </a:rPr>
-                        <m:t>=</m:t>
-                      </m:r>
-                      <m:r>
-                        <a:rPr lang="en-US" sz="2400" i="1" smtClean="0">
-                          <a:latin typeface="Cambria Math" panose="02040503050406030204" pitchFamily="18" charset="0"/>
-                          <a:ea typeface="Cambria Math" panose="02040503050406030204" pitchFamily="18" charset="0"/>
-                        </a:rPr>
-                        <m:t> </m:t>
+                        <m:t>= </m:t>
                       </m:r>
                       <m:d>
                         <m:dPr>
                           <m:begChr m:val="{"/>
                           <m:endChr m:val="}"/>
                           <m:ctrlPr>
-                            <a:rPr lang="en-US" sz="2400" i="1" smtClean="0">
+                            <a:rPr lang="en-US" sz="2400" i="1">
                               <a:latin typeface="Cambria Math" panose="02040503050406030204" pitchFamily="18" charset="0"/>
                               <a:ea typeface="Cambria Math" panose="02040503050406030204" pitchFamily="18" charset="0"/>
                             </a:rPr>
@@ -13912,7 +13383,7 @@
                             <m:t>,</m:t>
                           </m:r>
                           <m:r>
-                            <a:rPr lang="en-US" sz="2400" i="1" smtClean="0">
+                            <a:rPr lang="en-US" sz="2400" i="1">
                               <a:latin typeface="Cambria Math" panose="02040503050406030204" pitchFamily="18" charset="0"/>
                               <a:ea typeface="Cambria Math" panose="02040503050406030204" pitchFamily="18" charset="0"/>
                             </a:rPr>
@@ -13921,7 +13392,7 @@
                           <m:sSub>
                             <m:sSubPr>
                               <m:ctrlPr>
-                                <a:rPr lang="en-US" sz="2400" i="1" smtClean="0">
+                                <a:rPr lang="en-US" sz="2400" i="1">
                                   <a:latin typeface="Cambria Math" panose="02040503050406030204" pitchFamily="18" charset="0"/>
                                   <a:ea typeface="Cambria Math" panose="02040503050406030204" pitchFamily="18" charset="0"/>
                                 </a:rPr>
@@ -13951,12 +13422,12 @@
                               <a:latin typeface="Cambria Math" panose="02040503050406030204" pitchFamily="18" charset="0"/>
                               <a:ea typeface="Cambria Math" panose="02040503050406030204" pitchFamily="18" charset="0"/>
                             </a:rPr>
-                            <m:t>, </m:t>
+                            <m:t>,</m:t>
                           </m:r>
                           <m:sSub>
                             <m:sSubPr>
                               <m:ctrlPr>
-                                <a:rPr lang="en-US" sz="2400" b="0" i="1" smtClean="0">
+                                <a:rPr lang="en-US" sz="2400" i="1">
                                   <a:latin typeface="Cambria Math" panose="02040503050406030204" pitchFamily="18" charset="0"/>
                                   <a:ea typeface="Cambria Math" panose="02040503050406030204" pitchFamily="18" charset="0"/>
                                 </a:rPr>
@@ -13964,7 +13435,7 @@
                             </m:sSubPr>
                             <m:e>
                               <m:r>
-                                <a:rPr lang="en-US" sz="2400" b="0" i="1" smtClean="0">
+                                <a:rPr lang="en-US" sz="2400" i="1">
                                   <a:latin typeface="Cambria Math" panose="02040503050406030204" pitchFamily="18" charset="0"/>
                                   <a:ea typeface="Cambria Math" panose="02040503050406030204" pitchFamily="18" charset="0"/>
                                 </a:rPr>
@@ -13977,19 +13448,12 @@
                                   <a:latin typeface="Cambria Math" panose="02040503050406030204" pitchFamily="18" charset="0"/>
                                   <a:ea typeface="Cambria Math" panose="02040503050406030204" pitchFamily="18" charset="0"/>
                                 </a:rPr>
-                                <m:t>2</m:t>
-                              </m:r>
-                              <m:r>
-                                <a:rPr lang="en-US" sz="2400" b="0" i="1" smtClean="0">
-                                  <a:latin typeface="Cambria Math" panose="02040503050406030204" pitchFamily="18" charset="0"/>
-                                  <a:ea typeface="Cambria Math" panose="02040503050406030204" pitchFamily="18" charset="0"/>
-                                </a:rPr>
-                                <m:t>𝑛𝑢𝑙𝑙</m:t>
+                                <m:t>0</m:t>
                               </m:r>
                             </m:sub>
                           </m:sSub>
                           <m:r>
-                            <a:rPr lang="en-US" sz="2400" b="0" i="1" smtClean="0">
+                            <a:rPr lang="en-US" sz="2400" i="1">
                               <a:latin typeface="Cambria Math" panose="02040503050406030204" pitchFamily="18" charset="0"/>
                               <a:ea typeface="Cambria Math" panose="02040503050406030204" pitchFamily="18" charset="0"/>
                             </a:rPr>
@@ -13998,7 +13462,7 @@
                           <m:sSub>
                             <m:sSubPr>
                               <m:ctrlPr>
-                                <a:rPr lang="en-US" sz="2400" i="1" smtClean="0">
+                                <a:rPr lang="en-US" sz="2400" i="1">
                                   <a:latin typeface="Cambria Math" panose="02040503050406030204" pitchFamily="18" charset="0"/>
                                   <a:ea typeface="Cambria Math" panose="02040503050406030204" pitchFamily="18" charset="0"/>
                                 </a:rPr>
@@ -14021,17 +13485,45 @@
                                 </a:rPr>
                                 <m:t>1</m:t>
                               </m:r>
-                              <m:r>
-                                <a:rPr lang="en-US" sz="2400" b="0" i="1" smtClean="0">
-                                  <a:latin typeface="Cambria Math" panose="02040503050406030204" pitchFamily="18" charset="0"/>
-                                  <a:ea typeface="Cambria Math" panose="02040503050406030204" pitchFamily="18" charset="0"/>
-                                </a:rPr>
-                                <m:t>2</m:t>
-                              </m:r>
                             </m:sub>
                           </m:sSub>
                         </m:e>
                       </m:d>
+                      <m:r>
+                        <a:rPr lang="en-US" sz="2400" i="1">
+                          <a:latin typeface="Cambria Math" panose="02040503050406030204" pitchFamily="18" charset="0"/>
+                          <a:ea typeface="Cambria Math" panose="02040503050406030204" pitchFamily="18" charset="0"/>
+                        </a:rPr>
+                        <m:t>∗</m:t>
+                      </m:r>
+                      <m:r>
+                        <a:rPr lang="en-US" sz="2400" i="1">
+                          <a:latin typeface="Cambria Math" panose="02040503050406030204" pitchFamily="18" charset="0"/>
+                          <a:ea typeface="Cambria Math" panose="02040503050406030204" pitchFamily="18" charset="0"/>
+                        </a:rPr>
+                        <m:t>𝑃</m:t>
+                      </m:r>
+                      <m:r>
+                        <a:rPr lang="en-US" sz="2400" i="1">
+                          <a:latin typeface="Cambria Math" panose="02040503050406030204" pitchFamily="18" charset="0"/>
+                          <a:ea typeface="Cambria Math" panose="02040503050406030204" pitchFamily="18" charset="0"/>
+                        </a:rPr>
+                        <m:t>(</m:t>
+                      </m:r>
+                      <m:r>
+                        <a:rPr lang="en-US" sz="2400" i="1">
+                          <a:latin typeface="Cambria Math" panose="02040503050406030204" pitchFamily="18" charset="0"/>
+                          <a:ea typeface="Cambria Math" panose="02040503050406030204" pitchFamily="18" charset="0"/>
+                        </a:rPr>
+                        <m:t>𝐷</m:t>
+                      </m:r>
+                      <m:r>
+                        <a:rPr lang="en-US" sz="2400" i="1">
+                          <a:latin typeface="Cambria Math" panose="02040503050406030204" pitchFamily="18" charset="0"/>
+                          <a:ea typeface="Cambria Math" panose="02040503050406030204" pitchFamily="18" charset="0"/>
+                        </a:rPr>
+                        <m:t>)</m:t>
+                      </m:r>
                     </m:oMath>
                   </m:oMathPara>
                 </a14:m>
@@ -15023,7 +14515,7 @@
               <a:blipFill>
                 <a:blip r:embed="rId2"/>
                 <a:stretch>
-                  <a:fillRect l="-121" t="-847"/>
+                  <a:fillRect l="-121" t="-565"/>
                 </a:stretch>
               </a:blipFill>
             </p:spPr>
@@ -15142,551 +14634,6 @@
                   <a:buNone/>
                 </a:pPr>
                 <a14:m>
-                  <m:oMath xmlns:m="http://schemas.openxmlformats.org/officeDocument/2006/math">
-                    <m:sSub>
-                      <m:sSubPr>
-                        <m:ctrlPr>
-                          <a:rPr lang="en-US" sz="2400" i="1" smtClean="0">
-                            <a:latin typeface="Cambria Math" panose="02040503050406030204" pitchFamily="18" charset="0"/>
-                            <a:ea typeface="Cambria Math" panose="02040503050406030204" pitchFamily="18" charset="0"/>
-                          </a:rPr>
-                        </m:ctrlPr>
-                      </m:sSubPr>
-                      <m:e>
-                        <m:r>
-                          <a:rPr lang="en-US" sz="2400" i="1">
-                            <a:latin typeface="Cambria Math" panose="02040503050406030204" pitchFamily="18" charset="0"/>
-                            <a:ea typeface="Cambria Math" panose="02040503050406030204" pitchFamily="18" charset="0"/>
-                          </a:rPr>
-                          <m:t>𝛼</m:t>
-                        </m:r>
-                      </m:e>
-                      <m:sub>
-                        <m:r>
-                          <a:rPr lang="en-US" sz="2400" i="1">
-                            <a:latin typeface="Cambria Math" panose="02040503050406030204" pitchFamily="18" charset="0"/>
-                            <a:ea typeface="Cambria Math" panose="02040503050406030204" pitchFamily="18" charset="0"/>
-                          </a:rPr>
-                          <m:t>1</m:t>
-                        </m:r>
-                        <m:r>
-                          <a:rPr lang="en-US" sz="2400" i="1">
-                            <a:latin typeface="Cambria Math" panose="02040503050406030204" pitchFamily="18" charset="0"/>
-                            <a:ea typeface="Cambria Math" panose="02040503050406030204" pitchFamily="18" charset="0"/>
-                          </a:rPr>
-                          <m:t>2 </m:t>
-                        </m:r>
-                      </m:sub>
-                    </m:sSub>
-                    <m:r>
-                      <a:rPr lang="en-US" sz="2400" i="1">
-                        <a:latin typeface="Cambria Math" panose="02040503050406030204" pitchFamily="18" charset="0"/>
-                        <a:ea typeface="Cambria Math" panose="02040503050406030204" pitchFamily="18" charset="0"/>
-                      </a:rPr>
-                      <m:t>=</m:t>
-                    </m:r>
-                    <m:f>
-                      <m:fPr>
-                        <m:ctrlPr>
-                          <a:rPr lang="en-US" sz="2400" b="0" i="1" smtClean="0">
-                            <a:latin typeface="Cambria Math" panose="02040503050406030204" pitchFamily="18" charset="0"/>
-                            <a:ea typeface="Cambria Math" panose="02040503050406030204" pitchFamily="18" charset="0"/>
-                          </a:rPr>
-                        </m:ctrlPr>
-                      </m:fPr>
-                      <m:num>
-                        <m:sSub>
-                          <m:sSubPr>
-                            <m:ctrlPr>
-                              <a:rPr lang="en-US" sz="2400" b="0" i="1" smtClean="0">
-                                <a:latin typeface="Cambria Math" panose="02040503050406030204" pitchFamily="18" charset="0"/>
-                                <a:ea typeface="Cambria Math" panose="02040503050406030204" pitchFamily="18" charset="0"/>
-                              </a:rPr>
-                            </m:ctrlPr>
-                          </m:sSubPr>
-                          <m:e>
-                            <m:r>
-                              <a:rPr lang="en-US" sz="2400" i="1">
-                                <a:latin typeface="Cambria Math" panose="02040503050406030204" pitchFamily="18" charset="0"/>
-                                <a:ea typeface="Cambria Math" panose="02040503050406030204" pitchFamily="18" charset="0"/>
-                              </a:rPr>
-                              <m:t>𝑃</m:t>
-                            </m:r>
-                            <m:d>
-                              <m:dPr>
-                                <m:ctrlPr>
-                                  <a:rPr lang="en-US" sz="2400" i="1">
-                                    <a:latin typeface="Cambria Math" panose="02040503050406030204" pitchFamily="18" charset="0"/>
-                                    <a:ea typeface="Cambria Math" panose="02040503050406030204" pitchFamily="18" charset="0"/>
-                                  </a:rPr>
-                                </m:ctrlPr>
-                              </m:dPr>
-                              <m:e>
-                                <m:sSub>
-                                  <m:sSubPr>
-                                    <m:ctrlPr>
-                                      <a:rPr lang="en-US" sz="2400" i="1">
-                                        <a:latin typeface="Cambria Math" panose="02040503050406030204" pitchFamily="18" charset="0"/>
-                                        <a:ea typeface="Cambria Math" panose="02040503050406030204" pitchFamily="18" charset="0"/>
-                                      </a:rPr>
-                                    </m:ctrlPr>
-                                  </m:sSubPr>
-                                  <m:e>
-                                    <m:r>
-                                      <a:rPr lang="en-US" sz="2400" i="1">
-                                        <a:latin typeface="Cambria Math" panose="02040503050406030204" pitchFamily="18" charset="0"/>
-                                        <a:ea typeface="Cambria Math" panose="02040503050406030204" pitchFamily="18" charset="0"/>
-                                      </a:rPr>
-                                      <m:t>𝐷</m:t>
-                                    </m:r>
-                                  </m:e>
-                                  <m:sub>
-                                    <m:r>
-                                      <a:rPr lang="en-US" sz="2400" i="1">
-                                        <a:latin typeface="Cambria Math" panose="02040503050406030204" pitchFamily="18" charset="0"/>
-                                        <a:ea typeface="Cambria Math" panose="02040503050406030204" pitchFamily="18" charset="0"/>
-                                      </a:rPr>
-                                      <m:t>12</m:t>
-                                    </m:r>
-                                  </m:sub>
-                                </m:sSub>
-                              </m:e>
-                            </m:d>
-                            <m:r>
-                              <a:rPr lang="en-US" sz="2400" b="0" i="1" smtClean="0">
-                                <a:latin typeface="Cambria Math" panose="02040503050406030204" pitchFamily="18" charset="0"/>
-                                <a:ea typeface="Cambria Math" panose="02040503050406030204" pitchFamily="18" charset="0"/>
-                              </a:rPr>
-                              <m:t> ∗ </m:t>
-                            </m:r>
-                            <m:r>
-                              <a:rPr lang="en-US" sz="2400" b="0" i="1" smtClean="0">
-                                <a:latin typeface="Cambria Math" panose="02040503050406030204" pitchFamily="18" charset="0"/>
-                                <a:ea typeface="Cambria Math" panose="02040503050406030204" pitchFamily="18" charset="0"/>
-                              </a:rPr>
-                              <m:t>𝛼</m:t>
-                            </m:r>
-                          </m:e>
-                          <m:sub>
-                            <m:r>
-                              <a:rPr lang="en-US" sz="2400" b="0" i="1" smtClean="0">
-                                <a:latin typeface="Cambria Math" panose="02040503050406030204" pitchFamily="18" charset="0"/>
-                                <a:ea typeface="Cambria Math" panose="02040503050406030204" pitchFamily="18" charset="0"/>
-                              </a:rPr>
-                              <m:t>2</m:t>
-                            </m:r>
-                          </m:sub>
-                        </m:sSub>
-                      </m:num>
-                      <m:den>
-                        <m:r>
-                          <a:rPr lang="en-US" sz="2400" b="0" i="1" smtClean="0">
-                            <a:latin typeface="Cambria Math" panose="02040503050406030204" pitchFamily="18" charset="0"/>
-                            <a:ea typeface="Cambria Math" panose="02040503050406030204" pitchFamily="18" charset="0"/>
-                          </a:rPr>
-                          <m:t>𝑃</m:t>
-                        </m:r>
-                        <m:r>
-                          <a:rPr lang="en-US" sz="2400" b="0" i="1" smtClean="0">
-                            <a:latin typeface="Cambria Math" panose="02040503050406030204" pitchFamily="18" charset="0"/>
-                            <a:ea typeface="Cambria Math" panose="02040503050406030204" pitchFamily="18" charset="0"/>
-                          </a:rPr>
-                          <m:t>(</m:t>
-                        </m:r>
-                        <m:sSub>
-                          <m:sSubPr>
-                            <m:ctrlPr>
-                              <a:rPr lang="en-US" sz="2400" b="0" i="1" smtClean="0">
-                                <a:latin typeface="Cambria Math" panose="02040503050406030204" pitchFamily="18" charset="0"/>
-                                <a:ea typeface="Cambria Math" panose="02040503050406030204" pitchFamily="18" charset="0"/>
-                              </a:rPr>
-                            </m:ctrlPr>
-                          </m:sSubPr>
-                          <m:e>
-                            <m:r>
-                              <a:rPr lang="en-US" sz="2400" b="0" i="1" smtClean="0">
-                                <a:latin typeface="Cambria Math" panose="02040503050406030204" pitchFamily="18" charset="0"/>
-                                <a:ea typeface="Cambria Math" panose="02040503050406030204" pitchFamily="18" charset="0"/>
-                              </a:rPr>
-                              <m:t>𝐷</m:t>
-                            </m:r>
-                          </m:e>
-                          <m:sub>
-                            <m:r>
-                              <a:rPr lang="en-US" sz="2400" b="0" i="1" smtClean="0">
-                                <a:latin typeface="Cambria Math" panose="02040503050406030204" pitchFamily="18" charset="0"/>
-                                <a:ea typeface="Cambria Math" panose="02040503050406030204" pitchFamily="18" charset="0"/>
-                              </a:rPr>
-                              <m:t>2</m:t>
-                            </m:r>
-                          </m:sub>
-                        </m:sSub>
-                        <m:r>
-                          <a:rPr lang="en-US" sz="2400" b="0" i="1" smtClean="0">
-                            <a:latin typeface="Cambria Math" panose="02040503050406030204" pitchFamily="18" charset="0"/>
-                            <a:ea typeface="Cambria Math" panose="02040503050406030204" pitchFamily="18" charset="0"/>
-                          </a:rPr>
-                          <m:t>)</m:t>
-                        </m:r>
-                      </m:den>
-                    </m:f>
-                  </m:oMath>
-                </a14:m>
-                <a:r>
-                  <a:rPr lang="en-US" sz="2400" b="0" i="1" dirty="0">
-                    <a:latin typeface="Cambria Math" panose="02040503050406030204" pitchFamily="18" charset="0"/>
-                    <a:ea typeface="Cambria Math" panose="02040503050406030204" pitchFamily="18" charset="0"/>
-                  </a:rPr>
-                  <a:t> </a:t>
-                </a:r>
-              </a:p>
-              <a:p>
-                <a:pPr marL="0" indent="0">
-                  <a:buNone/>
-                </a:pPr>
-                <a14:m>
-                  <m:oMath xmlns:m="http://schemas.openxmlformats.org/officeDocument/2006/math">
-                    <m:sSub>
-                      <m:sSubPr>
-                        <m:ctrlPr>
-                          <a:rPr lang="en-US" sz="2400" b="0" i="1" smtClean="0">
-                            <a:latin typeface="Cambria Math" panose="02040503050406030204" pitchFamily="18" charset="0"/>
-                            <a:ea typeface="Cambria Math" panose="02040503050406030204" pitchFamily="18" charset="0"/>
-                          </a:rPr>
-                        </m:ctrlPr>
-                      </m:sSubPr>
-                      <m:e>
-                        <m:sSub>
-                          <m:sSubPr>
-                            <m:ctrlPr>
-                              <a:rPr lang="en-US" sz="2400" b="0" i="1" smtClean="0">
-                                <a:latin typeface="Cambria Math" panose="02040503050406030204" pitchFamily="18" charset="0"/>
-                                <a:ea typeface="Cambria Math" panose="02040503050406030204" pitchFamily="18" charset="0"/>
-                              </a:rPr>
-                            </m:ctrlPr>
-                          </m:sSubPr>
-                          <m:e>
-                            <m:r>
-                              <a:rPr lang="en-US" sz="2400" i="1" smtClean="0">
-                                <a:latin typeface="Cambria Math" panose="02040503050406030204" pitchFamily="18" charset="0"/>
-                                <a:ea typeface="Cambria Math" panose="02040503050406030204" pitchFamily="18" charset="0"/>
-                              </a:rPr>
-                              <m:t>𝛼</m:t>
-                            </m:r>
-                          </m:e>
-                          <m:sub>
-                            <m:r>
-                              <a:rPr lang="en-US" sz="2400" b="0" i="1" smtClean="0">
-                                <a:latin typeface="Cambria Math" panose="02040503050406030204" pitchFamily="18" charset="0"/>
-                                <a:ea typeface="Cambria Math" panose="02040503050406030204" pitchFamily="18" charset="0"/>
-                              </a:rPr>
-                              <m:t> </m:t>
-                            </m:r>
-                          </m:sub>
-                        </m:sSub>
-                      </m:e>
-                      <m:sub>
-                        <m:r>
-                          <a:rPr lang="en-US" sz="2400" b="0" i="1" smtClean="0">
-                            <a:latin typeface="Cambria Math" panose="02040503050406030204" pitchFamily="18" charset="0"/>
-                            <a:ea typeface="Cambria Math" panose="02040503050406030204" pitchFamily="18" charset="0"/>
-                          </a:rPr>
-                          <m:t>1</m:t>
-                        </m:r>
-                        <m:r>
-                          <a:rPr lang="en-US" sz="2400" b="0" i="1" smtClean="0">
-                            <a:latin typeface="Cambria Math" panose="02040503050406030204" pitchFamily="18" charset="0"/>
-                            <a:ea typeface="Cambria Math" panose="02040503050406030204" pitchFamily="18" charset="0"/>
-                          </a:rPr>
-                          <m:t>𝑛𝑢𝑙𝑙</m:t>
-                        </m:r>
-                      </m:sub>
-                    </m:sSub>
-                    <m:r>
-                      <a:rPr lang="en-US" sz="2400" b="0" i="1" smtClean="0">
-                        <a:latin typeface="Cambria Math" panose="02040503050406030204" pitchFamily="18" charset="0"/>
-                        <a:ea typeface="Cambria Math" panose="02040503050406030204" pitchFamily="18" charset="0"/>
-                      </a:rPr>
-                      <m:t>=</m:t>
-                    </m:r>
-                  </m:oMath>
-                </a14:m>
-                <a:r>
-                  <a:rPr lang="en-US" sz="2400" b="0" i="1" dirty="0">
-                    <a:latin typeface="Cambria Math" panose="02040503050406030204" pitchFamily="18" charset="0"/>
-                    <a:ea typeface="Cambria Math" panose="02040503050406030204" pitchFamily="18" charset="0"/>
-                  </a:rPr>
-                  <a:t> </a:t>
-                </a:r>
-                <a14:m>
-                  <m:oMath xmlns:m="http://schemas.openxmlformats.org/officeDocument/2006/math">
-                    <m:f>
-                      <m:fPr>
-                        <m:ctrlPr>
-                          <a:rPr lang="en-US" sz="2400" b="0" i="1" smtClean="0">
-                            <a:latin typeface="Cambria Math" panose="02040503050406030204" pitchFamily="18" charset="0"/>
-                            <a:ea typeface="Cambria Math" panose="02040503050406030204" pitchFamily="18" charset="0"/>
-                          </a:rPr>
-                        </m:ctrlPr>
-                      </m:fPr>
-                      <m:num>
-                        <m:r>
-                          <a:rPr lang="en-US" sz="2400" b="0" i="1" smtClean="0">
-                            <a:latin typeface="Cambria Math" panose="02040503050406030204" pitchFamily="18" charset="0"/>
-                            <a:ea typeface="Cambria Math" panose="02040503050406030204" pitchFamily="18" charset="0"/>
-                          </a:rPr>
-                          <m:t>𝑃</m:t>
-                        </m:r>
-                        <m:d>
-                          <m:dPr>
-                            <m:ctrlPr>
-                              <a:rPr lang="en-US" sz="2400" b="0" i="1" smtClean="0">
-                                <a:latin typeface="Cambria Math" panose="02040503050406030204" pitchFamily="18" charset="0"/>
-                                <a:ea typeface="Cambria Math" panose="02040503050406030204" pitchFamily="18" charset="0"/>
-                              </a:rPr>
-                            </m:ctrlPr>
-                          </m:dPr>
-                          <m:e>
-                            <m:sSub>
-                              <m:sSubPr>
-                                <m:ctrlPr>
-                                  <a:rPr lang="en-US" sz="2400" b="0" i="1" smtClean="0">
-                                    <a:latin typeface="Cambria Math" panose="02040503050406030204" pitchFamily="18" charset="0"/>
-                                    <a:ea typeface="Cambria Math" panose="02040503050406030204" pitchFamily="18" charset="0"/>
-                                  </a:rPr>
-                                </m:ctrlPr>
-                              </m:sSubPr>
-                              <m:e>
-                                <m:r>
-                                  <a:rPr lang="en-US" sz="2400" b="0" i="1" smtClean="0">
-                                    <a:latin typeface="Cambria Math" panose="02040503050406030204" pitchFamily="18" charset="0"/>
-                                    <a:ea typeface="Cambria Math" panose="02040503050406030204" pitchFamily="18" charset="0"/>
-                                  </a:rPr>
-                                  <m:t>𝐷</m:t>
-                                </m:r>
-                              </m:e>
-                              <m:sub>
-                                <m:r>
-                                  <a:rPr lang="en-US" sz="2400" b="0" i="1" smtClean="0">
-                                    <a:latin typeface="Cambria Math" panose="02040503050406030204" pitchFamily="18" charset="0"/>
-                                    <a:ea typeface="Cambria Math" panose="02040503050406030204" pitchFamily="18" charset="0"/>
-                                  </a:rPr>
-                                  <m:t>1</m:t>
-                                </m:r>
-                              </m:sub>
-                            </m:sSub>
-                          </m:e>
-                        </m:d>
-                        <m:r>
-                          <a:rPr lang="en-US" sz="2400" b="0" i="1" smtClean="0">
-                            <a:latin typeface="Cambria Math" panose="02040503050406030204" pitchFamily="18" charset="0"/>
-                            <a:ea typeface="Cambria Math" panose="02040503050406030204" pitchFamily="18" charset="0"/>
-                          </a:rPr>
-                          <m:t> ∗ </m:t>
-                        </m:r>
-                        <m:d>
-                          <m:dPr>
-                            <m:ctrlPr>
-                              <a:rPr lang="en-US" sz="2400" b="0" i="1" smtClean="0">
-                                <a:latin typeface="Cambria Math" panose="02040503050406030204" pitchFamily="18" charset="0"/>
-                                <a:ea typeface="Cambria Math" panose="02040503050406030204" pitchFamily="18" charset="0"/>
-                              </a:rPr>
-                            </m:ctrlPr>
-                          </m:dPr>
-                          <m:e>
-                            <m:r>
-                              <a:rPr lang="en-US" sz="2400" b="0" i="1" smtClean="0">
-                                <a:latin typeface="Cambria Math" panose="02040503050406030204" pitchFamily="18" charset="0"/>
-                                <a:ea typeface="Cambria Math" panose="02040503050406030204" pitchFamily="18" charset="0"/>
-                              </a:rPr>
-                              <m:t> </m:t>
-                            </m:r>
-                            <m:sSub>
-                              <m:sSubPr>
-                                <m:ctrlPr>
-                                  <a:rPr lang="en-US" sz="2400" i="1" smtClean="0">
-                                    <a:latin typeface="Cambria Math" panose="02040503050406030204" pitchFamily="18" charset="0"/>
-                                    <a:ea typeface="Cambria Math" panose="02040503050406030204" pitchFamily="18" charset="0"/>
-                                  </a:rPr>
-                                </m:ctrlPr>
-                              </m:sSubPr>
-                              <m:e>
-                                <m:r>
-                                  <a:rPr lang="en-US" sz="2400" i="1">
-                                    <a:latin typeface="Cambria Math" panose="02040503050406030204" pitchFamily="18" charset="0"/>
-                                    <a:ea typeface="Cambria Math" panose="02040503050406030204" pitchFamily="18" charset="0"/>
-                                  </a:rPr>
-                                  <m:t>𝛼</m:t>
-                                </m:r>
-                              </m:e>
-                              <m:sub>
-                                <m:r>
-                                  <a:rPr lang="en-US" sz="2400" b="0" i="1" smtClean="0">
-                                    <a:latin typeface="Cambria Math" panose="02040503050406030204" pitchFamily="18" charset="0"/>
-                                    <a:ea typeface="Cambria Math" panose="02040503050406030204" pitchFamily="18" charset="0"/>
-                                  </a:rPr>
-                                  <m:t>𝑐𝑡𝑟𝑙</m:t>
-                                </m:r>
-                              </m:sub>
-                            </m:sSub>
-                            <m:r>
-                              <a:rPr lang="en-US" sz="2400" b="0" i="1" smtClean="0">
-                                <a:latin typeface="Cambria Math" panose="02040503050406030204" pitchFamily="18" charset="0"/>
-                                <a:ea typeface="Cambria Math" panose="02040503050406030204" pitchFamily="18" charset="0"/>
-                              </a:rPr>
-                              <m:t>+</m:t>
-                            </m:r>
-                            <m:sSub>
-                              <m:sSubPr>
-                                <m:ctrlPr>
-                                  <a:rPr lang="en-US" sz="2400" i="1" smtClean="0">
-                                    <a:latin typeface="Cambria Math" panose="02040503050406030204" pitchFamily="18" charset="0"/>
-                                    <a:ea typeface="Cambria Math" panose="02040503050406030204" pitchFamily="18" charset="0"/>
-                                  </a:rPr>
-                                </m:ctrlPr>
-                              </m:sSubPr>
-                              <m:e>
-                                <m:r>
-                                  <a:rPr lang="en-US" sz="2400" i="1">
-                                    <a:latin typeface="Cambria Math" panose="02040503050406030204" pitchFamily="18" charset="0"/>
-                                    <a:ea typeface="Cambria Math" panose="02040503050406030204" pitchFamily="18" charset="0"/>
-                                  </a:rPr>
-                                  <m:t>𝛼</m:t>
-                                </m:r>
-                              </m:e>
-                              <m:sub>
-                                <m:r>
-                                  <a:rPr lang="en-US" sz="2400" b="0" i="1" smtClean="0">
-                                    <a:latin typeface="Cambria Math" panose="02040503050406030204" pitchFamily="18" charset="0"/>
-                                    <a:ea typeface="Cambria Math" panose="02040503050406030204" pitchFamily="18" charset="0"/>
-                                  </a:rPr>
-                                  <m:t>2</m:t>
-                                </m:r>
-                              </m:sub>
-                            </m:sSub>
-                            <m:r>
-                              <a:rPr lang="en-US" sz="2400" b="0" i="1" smtClean="0">
-                                <a:latin typeface="Cambria Math" panose="02040503050406030204" pitchFamily="18" charset="0"/>
-                                <a:ea typeface="Cambria Math" panose="02040503050406030204" pitchFamily="18" charset="0"/>
-                              </a:rPr>
-                              <m:t>+</m:t>
-                            </m:r>
-                            <m:sSub>
-                              <m:sSubPr>
-                                <m:ctrlPr>
-                                  <a:rPr lang="en-US" sz="2400" i="1">
-                                    <a:latin typeface="Cambria Math" panose="02040503050406030204" pitchFamily="18" charset="0"/>
-                                    <a:ea typeface="Cambria Math" panose="02040503050406030204" pitchFamily="18" charset="0"/>
-                                  </a:rPr>
-                                </m:ctrlPr>
-                              </m:sSubPr>
-                              <m:e>
-                                <m:r>
-                                  <a:rPr lang="en-US" sz="2400" i="1">
-                                    <a:latin typeface="Cambria Math" panose="02040503050406030204" pitchFamily="18" charset="0"/>
-                                    <a:ea typeface="Cambria Math" panose="02040503050406030204" pitchFamily="18" charset="0"/>
-                                  </a:rPr>
-                                  <m:t>𝛼</m:t>
-                                </m:r>
-                              </m:e>
-                              <m:sub>
-                                <m:r>
-                                  <a:rPr lang="en-US" sz="2400" b="0" i="1" smtClean="0">
-                                    <a:latin typeface="Cambria Math" panose="02040503050406030204" pitchFamily="18" charset="0"/>
-                                    <a:ea typeface="Cambria Math" panose="02040503050406030204" pitchFamily="18" charset="0"/>
-                                  </a:rPr>
-                                  <m:t>12</m:t>
-                                </m:r>
-                              </m:sub>
-                            </m:sSub>
-                          </m:e>
-                        </m:d>
-                      </m:num>
-                      <m:den>
-                        <m:r>
-                          <a:rPr lang="en-US" sz="2400" b="0" i="1" smtClean="0">
-                            <a:latin typeface="Cambria Math" panose="02040503050406030204" pitchFamily="18" charset="0"/>
-                            <a:ea typeface="Cambria Math" panose="02040503050406030204" pitchFamily="18" charset="0"/>
-                          </a:rPr>
-                          <m:t>(1−</m:t>
-                        </m:r>
-                        <m:r>
-                          <a:rPr lang="en-US" sz="2400" b="0" i="1" smtClean="0">
-                            <a:latin typeface="Cambria Math" panose="02040503050406030204" pitchFamily="18" charset="0"/>
-                            <a:ea typeface="Cambria Math" panose="02040503050406030204" pitchFamily="18" charset="0"/>
-                          </a:rPr>
-                          <m:t>𝑃</m:t>
-                        </m:r>
-                        <m:d>
-                          <m:dPr>
-                            <m:ctrlPr>
-                              <a:rPr lang="en-US" sz="2400" b="0" i="1" smtClean="0">
-                                <a:latin typeface="Cambria Math" panose="02040503050406030204" pitchFamily="18" charset="0"/>
-                                <a:ea typeface="Cambria Math" panose="02040503050406030204" pitchFamily="18" charset="0"/>
-                              </a:rPr>
-                            </m:ctrlPr>
-                          </m:dPr>
-                          <m:e>
-                            <m:sSub>
-                              <m:sSubPr>
-                                <m:ctrlPr>
-                                  <a:rPr lang="en-US" sz="2400" b="0" i="1" smtClean="0">
-                                    <a:latin typeface="Cambria Math" panose="02040503050406030204" pitchFamily="18" charset="0"/>
-                                    <a:ea typeface="Cambria Math" panose="02040503050406030204" pitchFamily="18" charset="0"/>
-                                  </a:rPr>
-                                </m:ctrlPr>
-                              </m:sSubPr>
-                              <m:e>
-                                <m:r>
-                                  <a:rPr lang="en-US" sz="2400" b="0" i="1" smtClean="0">
-                                    <a:latin typeface="Cambria Math" panose="02040503050406030204" pitchFamily="18" charset="0"/>
-                                    <a:ea typeface="Cambria Math" panose="02040503050406030204" pitchFamily="18" charset="0"/>
-                                  </a:rPr>
-                                  <m:t>𝐷</m:t>
-                                </m:r>
-                              </m:e>
-                              <m:sub>
-                                <m:r>
-                                  <a:rPr lang="en-US" sz="2400" b="0" i="1" smtClean="0">
-                                    <a:latin typeface="Cambria Math" panose="02040503050406030204" pitchFamily="18" charset="0"/>
-                                    <a:ea typeface="Cambria Math" panose="02040503050406030204" pitchFamily="18" charset="0"/>
-                                  </a:rPr>
-                                  <m:t>1</m:t>
-                                </m:r>
-                              </m:sub>
-                            </m:sSub>
-                          </m:e>
-                        </m:d>
-                        <m:r>
-                          <a:rPr lang="en-US" sz="2400" b="0" i="1" smtClean="0">
-                            <a:latin typeface="Cambria Math" panose="02040503050406030204" pitchFamily="18" charset="0"/>
-                            <a:ea typeface="Cambria Math" panose="02040503050406030204" pitchFamily="18" charset="0"/>
-                          </a:rPr>
-                          <m:t>)</m:t>
-                        </m:r>
-                      </m:den>
-                    </m:f>
-                  </m:oMath>
-                </a14:m>
-                <a:endParaRPr lang="en-US" sz="2400" b="0" i="1" dirty="0">
-                  <a:latin typeface="Cambria Math" panose="02040503050406030204" pitchFamily="18" charset="0"/>
-                  <a:ea typeface="Cambria Math" panose="02040503050406030204" pitchFamily="18" charset="0"/>
-                </a:endParaRPr>
-              </a:p>
-              <a:p>
-                <a:pPr marL="0" indent="0">
-                  <a:buNone/>
-                </a:pPr>
-                <a:endParaRPr lang="en-US" sz="2400" b="0" i="1" dirty="0">
-                  <a:latin typeface="Cambria Math" panose="02040503050406030204" pitchFamily="18" charset="0"/>
-                  <a:ea typeface="Cambria Math" panose="02040503050406030204" pitchFamily="18" charset="0"/>
-                </a:endParaRPr>
-              </a:p>
-              <a:p>
-                <a:pPr marL="0" indent="0">
-                  <a:buNone/>
-                </a:pPr>
-                <a14:m>
                   <m:oMathPara xmlns:m="http://schemas.openxmlformats.org/officeDocument/2006/math">
                     <m:oMathParaPr>
                       <m:jc m:val="left"/>
@@ -15840,14 +14787,7 @@
                                   <a:latin typeface="Cambria Math" panose="02040503050406030204" pitchFamily="18" charset="0"/>
                                   <a:ea typeface="Cambria Math" panose="02040503050406030204" pitchFamily="18" charset="0"/>
                                 </a:rPr>
-                                <m:t>1</m:t>
-                              </m:r>
-                              <m:r>
-                                <a:rPr lang="en-US" sz="2400" b="0" i="1" smtClean="0">
-                                  <a:latin typeface="Cambria Math" panose="02040503050406030204" pitchFamily="18" charset="0"/>
-                                  <a:ea typeface="Cambria Math" panose="02040503050406030204" pitchFamily="18" charset="0"/>
-                                </a:rPr>
-                                <m:t>𝑛𝑢𝑙𝑙</m:t>
+                                <m:t>0</m:t>
                               </m:r>
                             </m:sub>
                           </m:sSub>
@@ -15917,12 +14857,47 @@
                                   <a:latin typeface="Cambria Math" panose="02040503050406030204" pitchFamily="18" charset="0"/>
                                   <a:ea typeface="Cambria Math" panose="02040503050406030204" pitchFamily="18" charset="0"/>
                                 </a:rPr>
-                                <m:t>12</m:t>
+                                <m:t>2</m:t>
                               </m:r>
                             </m:sub>
                           </m:sSub>
                         </m:e>
                       </m:d>
+                      <m:r>
+                        <a:rPr lang="en-US" sz="2400" b="0" i="1" smtClean="0">
+                          <a:latin typeface="Cambria Math" panose="02040503050406030204" pitchFamily="18" charset="0"/>
+                          <a:ea typeface="Cambria Math" panose="02040503050406030204" pitchFamily="18" charset="0"/>
+                        </a:rPr>
+                        <m:t>∗</m:t>
+                      </m:r>
+                      <m:r>
+                        <a:rPr lang="en-US" sz="2400" b="0" i="1" smtClean="0">
+                          <a:latin typeface="Cambria Math" panose="02040503050406030204" pitchFamily="18" charset="0"/>
+                          <a:ea typeface="Cambria Math" panose="02040503050406030204" pitchFamily="18" charset="0"/>
+                        </a:rPr>
+                        <m:t>𝑃</m:t>
+                      </m:r>
+                      <m:r>
+                        <a:rPr lang="en-US" sz="2400" b="0" i="1" smtClean="0">
+                          <a:latin typeface="Cambria Math" panose="02040503050406030204" pitchFamily="18" charset="0"/>
+                          <a:ea typeface="Cambria Math" panose="02040503050406030204" pitchFamily="18" charset="0"/>
+                        </a:rPr>
+                        <m:t>(</m:t>
+                      </m:r>
+                      <m:r>
+                        <a:rPr lang="en-US" sz="2400" b="0" i="1" smtClean="0">
+                          <a:latin typeface="Cambria Math" panose="02040503050406030204" pitchFamily="18" charset="0"/>
+                          <a:ea typeface="Cambria Math" panose="02040503050406030204" pitchFamily="18" charset="0"/>
+                        </a:rPr>
+                        <m:t>𝐷</m:t>
+                      </m:r>
+                      <m:r>
+                        <a:rPr lang="en-US" sz="2400" b="0" i="1" smtClean="0">
+                          <a:latin typeface="Cambria Math" panose="02040503050406030204" pitchFamily="18" charset="0"/>
+                          <a:ea typeface="Cambria Math" panose="02040503050406030204" pitchFamily="18" charset="0"/>
+                        </a:rPr>
+                        <m:t>)</m:t>
+                      </m:r>
                     </m:oMath>
                   </m:oMathPara>
                 </a14:m>
@@ -16935,7 +15910,7 @@
               <a:blipFill>
                 <a:blip r:embed="rId2"/>
                 <a:stretch>
-                  <a:fillRect l="-121" t="-852"/>
+                  <a:fillRect l="-121" t="-568"/>
                 </a:stretch>
               </a:blipFill>
             </p:spPr>
